--- a/Walmart_Sales/Layout/Layout.pptx
+++ b/Walmart_Sales/Layout/Layout.pptx
@@ -261,7 +261,7 @@
           <a:p>
             <a:fld id="{2B671C26-5F1C-433F-A28D-DB223B2C78D8}" type="datetimeFigureOut">
               <a:rPr lang="pt-BR" smtClean="0"/>
-              <a:t>02/06/2025</a:t>
+              <a:t>06/06/2025</a:t>
             </a:fld>
             <a:endParaRPr lang="pt-BR"/>
           </a:p>
@@ -459,7 +459,7 @@
           <a:p>
             <a:fld id="{2B671C26-5F1C-433F-A28D-DB223B2C78D8}" type="datetimeFigureOut">
               <a:rPr lang="pt-BR" smtClean="0"/>
-              <a:t>02/06/2025</a:t>
+              <a:t>06/06/2025</a:t>
             </a:fld>
             <a:endParaRPr lang="pt-BR"/>
           </a:p>
@@ -667,7 +667,7 @@
           <a:p>
             <a:fld id="{2B671C26-5F1C-433F-A28D-DB223B2C78D8}" type="datetimeFigureOut">
               <a:rPr lang="pt-BR" smtClean="0"/>
-              <a:t>02/06/2025</a:t>
+              <a:t>06/06/2025</a:t>
             </a:fld>
             <a:endParaRPr lang="pt-BR"/>
           </a:p>
@@ -865,7 +865,7 @@
           <a:p>
             <a:fld id="{2B671C26-5F1C-433F-A28D-DB223B2C78D8}" type="datetimeFigureOut">
               <a:rPr lang="pt-BR" smtClean="0"/>
-              <a:t>02/06/2025</a:t>
+              <a:t>06/06/2025</a:t>
             </a:fld>
             <a:endParaRPr lang="pt-BR"/>
           </a:p>
@@ -1140,7 +1140,7 @@
           <a:p>
             <a:fld id="{2B671C26-5F1C-433F-A28D-DB223B2C78D8}" type="datetimeFigureOut">
               <a:rPr lang="pt-BR" smtClean="0"/>
-              <a:t>02/06/2025</a:t>
+              <a:t>06/06/2025</a:t>
             </a:fld>
             <a:endParaRPr lang="pt-BR"/>
           </a:p>
@@ -1405,7 +1405,7 @@
           <a:p>
             <a:fld id="{2B671C26-5F1C-433F-A28D-DB223B2C78D8}" type="datetimeFigureOut">
               <a:rPr lang="pt-BR" smtClean="0"/>
-              <a:t>02/06/2025</a:t>
+              <a:t>06/06/2025</a:t>
             </a:fld>
             <a:endParaRPr lang="pt-BR"/>
           </a:p>
@@ -1817,7 +1817,7 @@
           <a:p>
             <a:fld id="{2B671C26-5F1C-433F-A28D-DB223B2C78D8}" type="datetimeFigureOut">
               <a:rPr lang="pt-BR" smtClean="0"/>
-              <a:t>02/06/2025</a:t>
+              <a:t>06/06/2025</a:t>
             </a:fld>
             <a:endParaRPr lang="pt-BR"/>
           </a:p>
@@ -1958,7 +1958,7 @@
           <a:p>
             <a:fld id="{2B671C26-5F1C-433F-A28D-DB223B2C78D8}" type="datetimeFigureOut">
               <a:rPr lang="pt-BR" smtClean="0"/>
-              <a:t>02/06/2025</a:t>
+              <a:t>06/06/2025</a:t>
             </a:fld>
             <a:endParaRPr lang="pt-BR"/>
           </a:p>
@@ -2071,7 +2071,7 @@
           <a:p>
             <a:fld id="{2B671C26-5F1C-433F-A28D-DB223B2C78D8}" type="datetimeFigureOut">
               <a:rPr lang="pt-BR" smtClean="0"/>
-              <a:t>02/06/2025</a:t>
+              <a:t>06/06/2025</a:t>
             </a:fld>
             <a:endParaRPr lang="pt-BR"/>
           </a:p>
@@ -2382,7 +2382,7 @@
           <a:p>
             <a:fld id="{2B671C26-5F1C-433F-A28D-DB223B2C78D8}" type="datetimeFigureOut">
               <a:rPr lang="pt-BR" smtClean="0"/>
-              <a:t>02/06/2025</a:t>
+              <a:t>06/06/2025</a:t>
             </a:fld>
             <a:endParaRPr lang="pt-BR"/>
           </a:p>
@@ -2670,7 +2670,7 @@
           <a:p>
             <a:fld id="{2B671C26-5F1C-433F-A28D-DB223B2C78D8}" type="datetimeFigureOut">
               <a:rPr lang="pt-BR" smtClean="0"/>
-              <a:t>02/06/2025</a:t>
+              <a:t>06/06/2025</a:t>
             </a:fld>
             <a:endParaRPr lang="pt-BR"/>
           </a:p>
@@ -2911,7 +2911,7 @@
           <a:p>
             <a:fld id="{2B671C26-5F1C-433F-A28D-DB223B2C78D8}" type="datetimeFigureOut">
               <a:rPr lang="pt-BR" smtClean="0"/>
-              <a:t>02/06/2025</a:t>
+              <a:t>06/06/2025</a:t>
             </a:fld>
             <a:endParaRPr lang="pt-BR"/>
           </a:p>
@@ -5074,7 +5074,7 @@
             <a:noFill/>
           </a:ln>
           <a:effectLst>
-            <a:outerShdw blurRad="63500" sx="102000" sy="102000" algn="ctr" rotWithShape="0">
+            <a:outerShdw blurRad="50800" dist="38100" dir="2700000" algn="tl" rotWithShape="0">
               <a:prstClr val="black">
                 <a:alpha val="40000"/>
               </a:prstClr>
@@ -5108,10 +5108,10 @@
       </p:sp>
       <p:cxnSp>
         <p:nvCxnSpPr>
-          <p:cNvPr id="14" name="Conector reto 13">
-            <a:extLst>
-              <a:ext uri="{FF2B5EF4-FFF2-40B4-BE49-F238E27FC236}">
-                <a16:creationId xmlns:a16="http://schemas.microsoft.com/office/drawing/2014/main" id="{02055B5B-0E8E-472C-89A3-D44BC3AD4622}"/>
+          <p:cNvPr id="15" name="Conector reto 14">
+            <a:extLst>
+              <a:ext uri="{FF2B5EF4-FFF2-40B4-BE49-F238E27FC236}">
+                <a16:creationId xmlns:a16="http://schemas.microsoft.com/office/drawing/2014/main" id="{4B8C4E36-3579-4A9B-BB0E-2A84CA7B2DB5}"/>
               </a:ext>
             </a:extLst>
           </p:cNvPr>
@@ -5122,58 +5122,15 @@
         </p:nvCxnSpPr>
         <p:spPr>
           <a:xfrm>
-            <a:off x="5450652" y="735058"/>
+            <a:off x="7611145" y="735058"/>
             <a:ext cx="0" cy="498927"/>
           </a:xfrm>
           <a:prstGeom prst="line">
             <a:avLst/>
           </a:prstGeom>
-          <a:ln w="12700">
+          <a:ln w="19050">
             <a:solidFill>
-              <a:srgbClr val="0957E3"/>
-            </a:solidFill>
-          </a:ln>
-        </p:spPr>
-        <p:style>
-          <a:lnRef idx="1">
-            <a:schemeClr val="accent1"/>
-          </a:lnRef>
-          <a:fillRef idx="0">
-            <a:schemeClr val="accent1"/>
-          </a:fillRef>
-          <a:effectRef idx="0">
-            <a:schemeClr val="accent1"/>
-          </a:effectRef>
-          <a:fontRef idx="minor">
-            <a:schemeClr val="tx1"/>
-          </a:fontRef>
-        </p:style>
-      </p:cxnSp>
-      <p:cxnSp>
-        <p:nvCxnSpPr>
-          <p:cNvPr id="15" name="Conector reto 14">
-            <a:extLst>
-              <a:ext uri="{FF2B5EF4-FFF2-40B4-BE49-F238E27FC236}">
-                <a16:creationId xmlns:a16="http://schemas.microsoft.com/office/drawing/2014/main" id="{4B8C4E36-3579-4A9B-BB0E-2A84CA7B2DB5}"/>
-              </a:ext>
-            </a:extLst>
-          </p:cNvPr>
-          <p:cNvCxnSpPr>
-            <a:cxnSpLocks/>
-          </p:cNvCxnSpPr>
-          <p:nvPr/>
-        </p:nvCxnSpPr>
-        <p:spPr>
-          <a:xfrm>
-            <a:off x="7611145" y="735058"/>
-            <a:ext cx="0" cy="498927"/>
-          </a:xfrm>
-          <a:prstGeom prst="line">
-            <a:avLst/>
-          </a:prstGeom>
-          <a:ln w="12700">
-            <a:solidFill>
-              <a:srgbClr val="0957E3"/>
+              <a:schemeClr val="tx1"/>
             </a:solidFill>
           </a:ln>
         </p:spPr>
@@ -5214,9 +5171,52 @@
           <a:prstGeom prst="line">
             <a:avLst/>
           </a:prstGeom>
-          <a:ln w="12700">
+          <a:ln w="19050">
             <a:solidFill>
-              <a:srgbClr val="0957E3"/>
+              <a:schemeClr val="tx1"/>
+            </a:solidFill>
+          </a:ln>
+        </p:spPr>
+        <p:style>
+          <a:lnRef idx="1">
+            <a:schemeClr val="accent1"/>
+          </a:lnRef>
+          <a:fillRef idx="0">
+            <a:schemeClr val="accent1"/>
+          </a:fillRef>
+          <a:effectRef idx="0">
+            <a:schemeClr val="accent1"/>
+          </a:effectRef>
+          <a:fontRef idx="minor">
+            <a:schemeClr val="tx1"/>
+          </a:fontRef>
+        </p:style>
+      </p:cxnSp>
+      <p:cxnSp>
+        <p:nvCxnSpPr>
+          <p:cNvPr id="14" name="Conector reto 13">
+            <a:extLst>
+              <a:ext uri="{FF2B5EF4-FFF2-40B4-BE49-F238E27FC236}">
+                <a16:creationId xmlns:a16="http://schemas.microsoft.com/office/drawing/2014/main" id="{02055B5B-0E8E-472C-89A3-D44BC3AD4622}"/>
+              </a:ext>
+            </a:extLst>
+          </p:cNvPr>
+          <p:cNvCxnSpPr>
+            <a:cxnSpLocks/>
+          </p:cNvCxnSpPr>
+          <p:nvPr/>
+        </p:nvCxnSpPr>
+        <p:spPr>
+          <a:xfrm>
+            <a:off x="5450652" y="735058"/>
+            <a:ext cx="0" cy="498927"/>
+          </a:xfrm>
+          <a:prstGeom prst="line">
+            <a:avLst/>
+          </a:prstGeom>
+          <a:ln w="19050">
+            <a:solidFill>
+              <a:schemeClr val="tx1"/>
             </a:solidFill>
           </a:ln>
         </p:spPr>
